--- a/set 5 papers/set5-slide.pptx
+++ b/set 5 papers/set5-slide.pptx
@@ -275,7 +275,7 @@
           <a:p>
             <a:fld id="{01BD8919-DF06-4647-B3B2-F7238113DA9C}" type="datetimeFigureOut">
               <a:rPr lang="en-PH" smtClean="0"/>
-              <a:t>23/11/2021</a:t>
+              <a:t>24/11/2021</a:t>
             </a:fld>
             <a:endParaRPr lang="en-PH"/>
           </a:p>
@@ -475,7 +475,7 @@
           <a:p>
             <a:fld id="{01BD8919-DF06-4647-B3B2-F7238113DA9C}" type="datetimeFigureOut">
               <a:rPr lang="en-PH" smtClean="0"/>
-              <a:t>23/11/2021</a:t>
+              <a:t>24/11/2021</a:t>
             </a:fld>
             <a:endParaRPr lang="en-PH"/>
           </a:p>
@@ -685,7 +685,7 @@
           <a:p>
             <a:fld id="{01BD8919-DF06-4647-B3B2-F7238113DA9C}" type="datetimeFigureOut">
               <a:rPr lang="en-PH" smtClean="0"/>
-              <a:t>23/11/2021</a:t>
+              <a:t>24/11/2021</a:t>
             </a:fld>
             <a:endParaRPr lang="en-PH"/>
           </a:p>
@@ -885,7 +885,7 @@
           <a:p>
             <a:fld id="{01BD8919-DF06-4647-B3B2-F7238113DA9C}" type="datetimeFigureOut">
               <a:rPr lang="en-PH" smtClean="0"/>
-              <a:t>23/11/2021</a:t>
+              <a:t>24/11/2021</a:t>
             </a:fld>
             <a:endParaRPr lang="en-PH"/>
           </a:p>
@@ -1161,7 +1161,7 @@
           <a:p>
             <a:fld id="{01BD8919-DF06-4647-B3B2-F7238113DA9C}" type="datetimeFigureOut">
               <a:rPr lang="en-PH" smtClean="0"/>
-              <a:t>23/11/2021</a:t>
+              <a:t>24/11/2021</a:t>
             </a:fld>
             <a:endParaRPr lang="en-PH"/>
           </a:p>
@@ -1429,7 +1429,7 @@
           <a:p>
             <a:fld id="{01BD8919-DF06-4647-B3B2-F7238113DA9C}" type="datetimeFigureOut">
               <a:rPr lang="en-PH" smtClean="0"/>
-              <a:t>23/11/2021</a:t>
+              <a:t>24/11/2021</a:t>
             </a:fld>
             <a:endParaRPr lang="en-PH"/>
           </a:p>
@@ -1844,7 +1844,7 @@
           <a:p>
             <a:fld id="{01BD8919-DF06-4647-B3B2-F7238113DA9C}" type="datetimeFigureOut">
               <a:rPr lang="en-PH" smtClean="0"/>
-              <a:t>23/11/2021</a:t>
+              <a:t>24/11/2021</a:t>
             </a:fld>
             <a:endParaRPr lang="en-PH"/>
           </a:p>
@@ -1986,7 +1986,7 @@
           <a:p>
             <a:fld id="{01BD8919-DF06-4647-B3B2-F7238113DA9C}" type="datetimeFigureOut">
               <a:rPr lang="en-PH" smtClean="0"/>
-              <a:t>23/11/2021</a:t>
+              <a:t>24/11/2021</a:t>
             </a:fld>
             <a:endParaRPr lang="en-PH"/>
           </a:p>
@@ -2099,7 +2099,7 @@
           <a:p>
             <a:fld id="{01BD8919-DF06-4647-B3B2-F7238113DA9C}" type="datetimeFigureOut">
               <a:rPr lang="en-PH" smtClean="0"/>
-              <a:t>23/11/2021</a:t>
+              <a:t>24/11/2021</a:t>
             </a:fld>
             <a:endParaRPr lang="en-PH"/>
           </a:p>
@@ -2412,7 +2412,7 @@
           <a:p>
             <a:fld id="{01BD8919-DF06-4647-B3B2-F7238113DA9C}" type="datetimeFigureOut">
               <a:rPr lang="en-PH" smtClean="0"/>
-              <a:t>23/11/2021</a:t>
+              <a:t>24/11/2021</a:t>
             </a:fld>
             <a:endParaRPr lang="en-PH"/>
           </a:p>
@@ -2701,7 +2701,7 @@
           <a:p>
             <a:fld id="{01BD8919-DF06-4647-B3B2-F7238113DA9C}" type="datetimeFigureOut">
               <a:rPr lang="en-PH" smtClean="0"/>
-              <a:t>23/11/2021</a:t>
+              <a:t>24/11/2021</a:t>
             </a:fld>
             <a:endParaRPr lang="en-PH"/>
           </a:p>
@@ -2944,7 +2944,7 @@
           <a:p>
             <a:fld id="{01BD8919-DF06-4647-B3B2-F7238113DA9C}" type="datetimeFigureOut">
               <a:rPr lang="en-PH" smtClean="0"/>
-              <a:t>23/11/2021</a:t>
+              <a:t>24/11/2021</a:t>
             </a:fld>
             <a:endParaRPr lang="en-PH"/>
           </a:p>
